--- a/coursewares/2021.9.30上机.pptx
+++ b/coursewares/2021.9.30上机.pptx
@@ -223,7 +223,7 @@
           <a:p>
             <a:fld id="{8E2984F6-6771-4DD2-96FB-3EB3712E54D7}" type="datetimeFigureOut">
               <a:rPr lang="zh-CN" altLang="en-US" smtClean="0"/>
-              <a:t>2021/9/28</a:t>
+              <a:t>2021/9/29</a:t>
             </a:fld>
             <a:endParaRPr lang="zh-CN" altLang="en-US"/>
           </a:p>
@@ -637,7 +637,7 @@
           <a:p>
             <a:fld id="{F98F34F6-D845-4094-8D14-B6A46FE99921}" type="datetime1">
               <a:rPr lang="zh-CN" altLang="en-US" smtClean="0"/>
-              <a:t>2021/9/28</a:t>
+              <a:t>2021/9/29</a:t>
             </a:fld>
             <a:endParaRPr lang="zh-CN" altLang="en-US"/>
           </a:p>
@@ -835,7 +835,7 @@
           <a:p>
             <a:fld id="{9EC78A90-D320-4CA0-912B-3843DB5891C7}" type="datetime1">
               <a:rPr lang="zh-CN" altLang="en-US" smtClean="0"/>
-              <a:t>2021/9/28</a:t>
+              <a:t>2021/9/29</a:t>
             </a:fld>
             <a:endParaRPr lang="zh-CN" altLang="en-US"/>
           </a:p>
@@ -1043,7 +1043,7 @@
           <a:p>
             <a:fld id="{92957A8B-034F-43D5-A268-0EB5FCFB0707}" type="datetime1">
               <a:rPr lang="zh-CN" altLang="en-US" smtClean="0"/>
-              <a:t>2021/9/28</a:t>
+              <a:t>2021/9/29</a:t>
             </a:fld>
             <a:endParaRPr lang="zh-CN" altLang="en-US"/>
           </a:p>
@@ -1241,7 +1241,7 @@
           <a:p>
             <a:fld id="{2DA84644-3929-497B-9CD1-B6BAE2E7A747}" type="datetime1">
               <a:rPr lang="zh-CN" altLang="en-US" smtClean="0"/>
-              <a:t>2021/9/28</a:t>
+              <a:t>2021/9/29</a:t>
             </a:fld>
             <a:endParaRPr lang="zh-CN" altLang="en-US"/>
           </a:p>
@@ -1516,7 +1516,7 @@
           <a:p>
             <a:fld id="{3FED37A8-B7D6-42C6-BF92-9CD16DDA0C90}" type="datetime1">
               <a:rPr lang="zh-CN" altLang="en-US" smtClean="0"/>
-              <a:t>2021/9/28</a:t>
+              <a:t>2021/9/29</a:t>
             </a:fld>
             <a:endParaRPr lang="zh-CN" altLang="en-US"/>
           </a:p>
@@ -1781,7 +1781,7 @@
           <a:p>
             <a:fld id="{212509E9-6E50-4DA0-B297-3BDAB7AC98D7}" type="datetime1">
               <a:rPr lang="zh-CN" altLang="en-US" smtClean="0"/>
-              <a:t>2021/9/28</a:t>
+              <a:t>2021/9/29</a:t>
             </a:fld>
             <a:endParaRPr lang="zh-CN" altLang="en-US"/>
           </a:p>
@@ -2193,7 +2193,7 @@
           <a:p>
             <a:fld id="{9C51EC9F-EF02-43F5-8347-9435F1ED673E}" type="datetime1">
               <a:rPr lang="zh-CN" altLang="en-US" smtClean="0"/>
-              <a:t>2021/9/28</a:t>
+              <a:t>2021/9/29</a:t>
             </a:fld>
             <a:endParaRPr lang="zh-CN" altLang="en-US"/>
           </a:p>
@@ -2334,7 +2334,7 @@
           <a:p>
             <a:fld id="{4D982AC1-1937-4E8A-8395-E971482F5C21}" type="datetime1">
               <a:rPr lang="zh-CN" altLang="en-US" smtClean="0"/>
-              <a:t>2021/9/28</a:t>
+              <a:t>2021/9/29</a:t>
             </a:fld>
             <a:endParaRPr lang="zh-CN" altLang="en-US"/>
           </a:p>
@@ -2447,7 +2447,7 @@
           <a:p>
             <a:fld id="{8517FA05-A745-4519-94AA-23C6855F107E}" type="datetime1">
               <a:rPr lang="zh-CN" altLang="en-US" smtClean="0"/>
-              <a:t>2021/9/28</a:t>
+              <a:t>2021/9/29</a:t>
             </a:fld>
             <a:endParaRPr lang="zh-CN" altLang="en-US"/>
           </a:p>
@@ -2758,7 +2758,7 @@
           <a:p>
             <a:fld id="{74C6CFF8-70C1-4A47-AB0C-2548E5548554}" type="datetime1">
               <a:rPr lang="zh-CN" altLang="en-US" smtClean="0"/>
-              <a:t>2021/9/28</a:t>
+              <a:t>2021/9/29</a:t>
             </a:fld>
             <a:endParaRPr lang="zh-CN" altLang="en-US"/>
           </a:p>
@@ -3046,7 +3046,7 @@
           <a:p>
             <a:fld id="{5C243411-EC64-4085-A6AF-692E87AFF44B}" type="datetime1">
               <a:rPr lang="zh-CN" altLang="en-US" smtClean="0"/>
-              <a:t>2021/9/28</a:t>
+              <a:t>2021/9/29</a:t>
             </a:fld>
             <a:endParaRPr lang="zh-CN" altLang="en-US"/>
           </a:p>
@@ -3287,7 +3287,7 @@
           <a:p>
             <a:fld id="{9C5C77F3-3AC5-4979-8CE4-CB7EC2B9EE6C}" type="datetime1">
               <a:rPr lang="zh-CN" altLang="en-US" smtClean="0"/>
-              <a:t>2021/9/28</a:t>
+              <a:t>2021/9/29</a:t>
             </a:fld>
             <a:endParaRPr lang="zh-CN" altLang="en-US"/>
           </a:p>
@@ -6612,7 +6612,7 @@
                 <a:latin typeface="宋体" panose="02010600030101010101" pitchFamily="2" charset="-122"/>
                 <a:ea typeface="宋体" panose="02010600030101010101" pitchFamily="2" charset="-122"/>
               </a:rPr>
-              <a:t>一个内置函数，以字符串为参数，无返回值。</a:t>
+              <a:t>一个内置函数，以任何变量为参数，无返回值。</a:t>
             </a:r>
             <a:endParaRPr lang="en-US" altLang="zh-CN" sz="2400" dirty="0">
               <a:latin typeface="宋体" panose="02010600030101010101" pitchFamily="2" charset="-122"/>
@@ -7239,7 +7239,7 @@
         <p:spPr>
           <a:xfrm>
             <a:off x="1392315" y="982176"/>
-            <a:ext cx="9407370" cy="4893647"/>
+            <a:ext cx="9407370" cy="5262979"/>
           </a:xfrm>
           <a:prstGeom prst="rect">
             <a:avLst/>
@@ -7422,6 +7422,26 @@
                 <a:latin typeface="宋体" panose="02010600030101010101" pitchFamily="2" charset="-122"/>
                 <a:ea typeface="宋体" panose="02010600030101010101" pitchFamily="2" charset="-122"/>
               </a:rPr>
+              <a:t>	math——</a:t>
+            </a:r>
+            <a:r>
+              <a:rPr lang="zh-CN" altLang="en-US" sz="2400" dirty="0">
+                <a:latin typeface="宋体" panose="02010600030101010101" pitchFamily="2" charset="-122"/>
+                <a:ea typeface="宋体" panose="02010600030101010101" pitchFamily="2" charset="-122"/>
+              </a:rPr>
+              <a:t>数学运算模块</a:t>
+            </a:r>
+            <a:endParaRPr lang="en-US" altLang="zh-CN" sz="2400" dirty="0">
+              <a:latin typeface="宋体" panose="02010600030101010101" pitchFamily="2" charset="-122"/>
+              <a:ea typeface="宋体" panose="02010600030101010101" pitchFamily="2" charset="-122"/>
+            </a:endParaRPr>
+          </a:p>
+          <a:p>
+            <a:r>
+              <a:rPr lang="en-US" altLang="zh-CN" sz="2400" dirty="0">
+                <a:latin typeface="宋体" panose="02010600030101010101" pitchFamily="2" charset="-122"/>
+                <a:ea typeface="宋体" panose="02010600030101010101" pitchFamily="2" charset="-122"/>
+              </a:rPr>
               <a:t>	</a:t>
             </a:r>
             <a:r>
@@ -7429,6 +7449,53 @@
                 <a:latin typeface="宋体" panose="02010600030101010101" pitchFamily="2" charset="-122"/>
                 <a:ea typeface="宋体" panose="02010600030101010101" pitchFamily="2" charset="-122"/>
               </a:rPr>
+              <a:t>os</a:t>
+            </a:r>
+            <a:r>
+              <a:rPr lang="en-US" altLang="zh-CN" sz="2400" dirty="0">
+                <a:latin typeface="宋体" panose="02010600030101010101" pitchFamily="2" charset="-122"/>
+                <a:ea typeface="宋体" panose="02010600030101010101" pitchFamily="2" charset="-122"/>
+              </a:rPr>
+              <a:t>——</a:t>
+            </a:r>
+            <a:r>
+              <a:rPr lang="zh-CN" altLang="en-US" sz="2400" dirty="0">
+                <a:latin typeface="宋体" panose="02010600030101010101" pitchFamily="2" charset="-122"/>
+                <a:ea typeface="宋体" panose="02010600030101010101" pitchFamily="2" charset="-122"/>
+              </a:rPr>
+              <a:t>操作系统接口模块</a:t>
+            </a:r>
+            <a:endParaRPr lang="en-US" altLang="zh-CN" sz="2400" dirty="0">
+              <a:latin typeface="宋体" panose="02010600030101010101" pitchFamily="2" charset="-122"/>
+              <a:ea typeface="宋体" panose="02010600030101010101" pitchFamily="2" charset="-122"/>
+            </a:endParaRPr>
+          </a:p>
+          <a:p>
+            <a:r>
+              <a:rPr lang="zh-CN" altLang="en-US" sz="2400" dirty="0">
+                <a:latin typeface="宋体" panose="02010600030101010101" pitchFamily="2" charset="-122"/>
+                <a:ea typeface="宋体" panose="02010600030101010101" pitchFamily="2" charset="-122"/>
+              </a:rPr>
+              <a:t>可安装的模块例子：</a:t>
+            </a:r>
+            <a:endParaRPr lang="en-US" altLang="zh-CN" sz="2400" dirty="0">
+              <a:latin typeface="宋体" panose="02010600030101010101" pitchFamily="2" charset="-122"/>
+              <a:ea typeface="宋体" panose="02010600030101010101" pitchFamily="2" charset="-122"/>
+            </a:endParaRPr>
+          </a:p>
+          <a:p>
+            <a:r>
+              <a:rPr lang="en-US" altLang="zh-CN" sz="2400" dirty="0">
+                <a:latin typeface="宋体" panose="02010600030101010101" pitchFamily="2" charset="-122"/>
+                <a:ea typeface="宋体" panose="02010600030101010101" pitchFamily="2" charset="-122"/>
+              </a:rPr>
+              <a:t>	</a:t>
+            </a:r>
+            <a:r>
+              <a:rPr lang="en-US" altLang="zh-CN" sz="2400" dirty="0" err="1">
+                <a:latin typeface="宋体" panose="02010600030101010101" pitchFamily="2" charset="-122"/>
+                <a:ea typeface="宋体" panose="02010600030101010101" pitchFamily="2" charset="-122"/>
+              </a:rPr>
               <a:t>numpy</a:t>
             </a:r>
             <a:r>
@@ -7444,53 +7511,6 @@
                 <a:ea typeface="宋体" panose="02010600030101010101" pitchFamily="2" charset="-122"/>
               </a:rPr>
               <a:t>矩阵运算模块</a:t>
-            </a:r>
-            <a:endParaRPr lang="en-US" altLang="zh-CN" sz="2400" dirty="0">
-              <a:latin typeface="宋体" panose="02010600030101010101" pitchFamily="2" charset="-122"/>
-              <a:ea typeface="宋体" panose="02010600030101010101" pitchFamily="2" charset="-122"/>
-            </a:endParaRPr>
-          </a:p>
-          <a:p>
-            <a:r>
-              <a:rPr lang="en-US" altLang="zh-CN" sz="2400" dirty="0">
-                <a:latin typeface="宋体" panose="02010600030101010101" pitchFamily="2" charset="-122"/>
-                <a:ea typeface="宋体" panose="02010600030101010101" pitchFamily="2" charset="-122"/>
-              </a:rPr>
-              <a:t>	</a:t>
-            </a:r>
-            <a:r>
-              <a:rPr lang="en-US" altLang="zh-CN" sz="2400" dirty="0" err="1">
-                <a:latin typeface="宋体" panose="02010600030101010101" pitchFamily="2" charset="-122"/>
-                <a:ea typeface="宋体" panose="02010600030101010101" pitchFamily="2" charset="-122"/>
-              </a:rPr>
-              <a:t>os</a:t>
-            </a:r>
-            <a:r>
-              <a:rPr lang="en-US" altLang="zh-CN" sz="2400" dirty="0">
-                <a:latin typeface="宋体" panose="02010600030101010101" pitchFamily="2" charset="-122"/>
-                <a:ea typeface="宋体" panose="02010600030101010101" pitchFamily="2" charset="-122"/>
-              </a:rPr>
-              <a:t>——</a:t>
-            </a:r>
-            <a:r>
-              <a:rPr lang="zh-CN" altLang="en-US" sz="2400" dirty="0">
-                <a:latin typeface="宋体" panose="02010600030101010101" pitchFamily="2" charset="-122"/>
-                <a:ea typeface="宋体" panose="02010600030101010101" pitchFamily="2" charset="-122"/>
-              </a:rPr>
-              <a:t>操作系统接口模块</a:t>
-            </a:r>
-            <a:endParaRPr lang="en-US" altLang="zh-CN" sz="2400" dirty="0">
-              <a:latin typeface="宋体" panose="02010600030101010101" pitchFamily="2" charset="-122"/>
-              <a:ea typeface="宋体" panose="02010600030101010101" pitchFamily="2" charset="-122"/>
-            </a:endParaRPr>
-          </a:p>
-          <a:p>
-            <a:r>
-              <a:rPr lang="zh-CN" altLang="en-US" sz="2400" dirty="0">
-                <a:latin typeface="宋体" panose="02010600030101010101" pitchFamily="2" charset="-122"/>
-                <a:ea typeface="宋体" panose="02010600030101010101" pitchFamily="2" charset="-122"/>
-              </a:rPr>
-              <a:t>可安装的模块例子：</a:t>
             </a:r>
             <a:endParaRPr lang="en-US" altLang="zh-CN" sz="2400" dirty="0">
               <a:latin typeface="宋体" panose="02010600030101010101" pitchFamily="2" charset="-122"/>
